--- a/reverb.pptx
+++ b/reverb.pptx
@@ -5,21 +5,22 @@
     <p:sldMasterId id="2147483660" r:id="rId1"/>
   </p:sldMasterIdLst>
   <p:notesMasterIdLst>
-    <p:notesMasterId r:id="rId14"/>
+    <p:notesMasterId r:id="rId15"/>
   </p:notesMasterIdLst>
   <p:sldIdLst>
     <p:sldId id="256" r:id="rId2"/>
     <p:sldId id="257" r:id="rId3"/>
     <p:sldId id="266" r:id="rId4"/>
-    <p:sldId id="259" r:id="rId5"/>
-    <p:sldId id="258" r:id="rId6"/>
-    <p:sldId id="260" r:id="rId7"/>
-    <p:sldId id="261" r:id="rId8"/>
-    <p:sldId id="262" r:id="rId9"/>
-    <p:sldId id="263" r:id="rId10"/>
-    <p:sldId id="264" r:id="rId11"/>
-    <p:sldId id="268" r:id="rId12"/>
-    <p:sldId id="267" r:id="rId13"/>
+    <p:sldId id="269" r:id="rId5"/>
+    <p:sldId id="259" r:id="rId6"/>
+    <p:sldId id="258" r:id="rId7"/>
+    <p:sldId id="260" r:id="rId8"/>
+    <p:sldId id="261" r:id="rId9"/>
+    <p:sldId id="262" r:id="rId10"/>
+    <p:sldId id="263" r:id="rId11"/>
+    <p:sldId id="264" r:id="rId12"/>
+    <p:sldId id="268" r:id="rId13"/>
+    <p:sldId id="267" r:id="rId14"/>
   </p:sldIdLst>
   <p:sldSz cx="12192000" cy="6858000"/>
   <p:notesSz cx="6858000" cy="9144000"/>
@@ -5122,7 +5123,7 @@
             </a:r>
             <a:r>
               <a:rPr kumimoji="1" lang="ja-JP" altLang="en-US" dirty="0" smtClean="0"/>
-              <a:t>ストーキングリスト</a:t>
+              <a:t>リスト</a:t>
             </a:r>
             <a:r>
               <a:rPr kumimoji="1" lang="en-US" altLang="ja-JP" dirty="0" smtClean="0"/>
@@ -5150,6 +5151,125 @@
             <a:fld id="{07E5A815-9F72-4DC7-9B05-971C4E78DD24}" type="slidenum">
               <a:rPr kumimoji="1" lang="ja-JP" altLang="en-US" smtClean="0"/>
               <a:t>10</a:t>
+            </a:fld>
+            <a:endParaRPr kumimoji="1" lang="ja-JP" altLang="en-US"/>
+          </a:p>
+        </p:txBody>
+      </p:sp>
+      <p:pic>
+        <p:nvPicPr>
+          <p:cNvPr id="6" name="図 5"/>
+          <p:cNvPicPr>
+            <a:picLocks noChangeAspect="1"/>
+          </p:cNvPicPr>
+          <p:nvPr/>
+        </p:nvPicPr>
+        <p:blipFill>
+          <a:blip r:embed="rId2"/>
+          <a:stretch>
+            <a:fillRect/>
+          </a:stretch>
+        </p:blipFill>
+        <p:spPr>
+          <a:xfrm>
+            <a:off x="376529" y="2766034"/>
+            <a:ext cx="11499901" cy="662966"/>
+          </a:xfrm>
+          <a:prstGeom prst="rect">
+            <a:avLst/>
+          </a:prstGeom>
+        </p:spPr>
+      </p:pic>
+    </p:spTree>
+    <p:extLst>
+      <p:ext uri="{BB962C8B-B14F-4D97-AF65-F5344CB8AC3E}">
+        <p14:creationId xmlns:p14="http://schemas.microsoft.com/office/powerpoint/2010/main" val="2367613138"/>
+      </p:ext>
+    </p:extLst>
+  </p:cSld>
+  <p:clrMapOvr>
+    <a:masterClrMapping/>
+  </p:clrMapOvr>
+  <p:timing>
+    <p:tnLst>
+      <p:par>
+        <p:cTn id="1" dur="indefinite" restart="never" nodeType="tmRoot"/>
+      </p:par>
+    </p:tnLst>
+  </p:timing>
+</p:sld>
+</file>
+
+<file path=ppt/slides/slide11.xml><?xml version="1.0" encoding="utf-8"?>
+<p:sld xmlns:a="http://schemas.openxmlformats.org/drawingml/2006/main" xmlns:r="http://schemas.openxmlformats.org/officeDocument/2006/relationships" xmlns:p="http://schemas.openxmlformats.org/presentationml/2006/main">
+  <p:cSld>
+    <p:spTree>
+      <p:nvGrpSpPr>
+        <p:cNvPr id="1" name=""/>
+        <p:cNvGrpSpPr/>
+        <p:nvPr/>
+      </p:nvGrpSpPr>
+      <p:grpSpPr>
+        <a:xfrm>
+          <a:off x="0" y="0"/>
+          <a:ext cx="0" cy="0"/>
+          <a:chOff x="0" y="0"/>
+          <a:chExt cx="0" cy="0"/>
+        </a:xfrm>
+      </p:grpSpPr>
+      <p:sp>
+        <p:nvSpPr>
+          <p:cNvPr id="2" name="タイトル 1"/>
+          <p:cNvSpPr>
+            <a:spLocks noGrp="1"/>
+          </p:cNvSpPr>
+          <p:nvPr>
+            <p:ph type="title"/>
+          </p:nvPr>
+        </p:nvSpPr>
+        <p:spPr/>
+        <p:txBody>
+          <a:bodyPr/>
+          <a:lstStyle/>
+          <a:p>
+            <a:r>
+              <a:rPr lang="ja-JP" altLang="en-US" dirty="0"/>
+              <a:t>動作</a:t>
+            </a:r>
+            <a:r>
+              <a:rPr kumimoji="1" lang="en-US" altLang="ja-JP" dirty="0" smtClean="0"/>
+              <a:t>(</a:t>
+            </a:r>
+            <a:r>
+              <a:rPr kumimoji="1" lang="ja-JP" altLang="en-US" dirty="0" smtClean="0"/>
+              <a:t>ストーキングリスト</a:t>
+            </a:r>
+            <a:r>
+              <a:rPr kumimoji="1" lang="en-US" altLang="ja-JP" dirty="0" smtClean="0"/>
+              <a:t>)</a:t>
+            </a:r>
+            <a:endParaRPr kumimoji="1" lang="ja-JP" altLang="en-US" dirty="0"/>
+          </a:p>
+        </p:txBody>
+      </p:sp>
+      <p:sp>
+        <p:nvSpPr>
+          <p:cNvPr id="4" name="スライド番号プレースホルダー 3"/>
+          <p:cNvSpPr>
+            <a:spLocks noGrp="1"/>
+          </p:cNvSpPr>
+          <p:nvPr>
+            <p:ph type="sldNum" sz="quarter" idx="12"/>
+          </p:nvPr>
+        </p:nvSpPr>
+        <p:spPr/>
+        <p:txBody>
+          <a:bodyPr/>
+          <a:lstStyle/>
+          <a:p>
+            <a:fld id="{07E5A815-9F72-4DC7-9B05-971C4E78DD24}" type="slidenum">
+              <a:rPr kumimoji="1" lang="ja-JP" altLang="en-US" smtClean="0"/>
+              <a:t>11</a:t>
             </a:fld>
             <a:endParaRPr kumimoji="1" lang="ja-JP" altLang="en-US"/>
           </a:p>
@@ -5199,7 +5319,7 @@
 </p:sld>
 </file>
 
-<file path=ppt/slides/slide11.xml><?xml version="1.0" encoding="utf-8"?>
+<file path=ppt/slides/slide12.xml><?xml version="1.0" encoding="utf-8"?>
 <p:sld xmlns:a="http://schemas.openxmlformats.org/drawingml/2006/main" xmlns:r="http://schemas.openxmlformats.org/officeDocument/2006/relationships" xmlns:p="http://schemas.openxmlformats.org/presentationml/2006/main">
   <p:cSld>
     <p:spTree>
@@ -5268,7 +5388,7 @@
           <a:p>
             <a:fld id="{07E5A815-9F72-4DC7-9B05-971C4E78DD24}" type="slidenum">
               <a:rPr kumimoji="1" lang="ja-JP" altLang="en-US" smtClean="0"/>
-              <a:t>11</a:t>
+              <a:t>12</a:t>
             </a:fld>
             <a:endParaRPr kumimoji="1" lang="ja-JP" altLang="en-US"/>
           </a:p>
@@ -5324,7 +5444,7 @@
 </p:sld>
 </file>
 
-<file path=ppt/slides/slide12.xml><?xml version="1.0" encoding="utf-8"?>
+<file path=ppt/slides/slide13.xml><?xml version="1.0" encoding="utf-8"?>
 <p:sld xmlns:a="http://schemas.openxmlformats.org/drawingml/2006/main" xmlns:r="http://schemas.openxmlformats.org/officeDocument/2006/relationships" xmlns:p="http://schemas.openxmlformats.org/presentationml/2006/main">
   <p:cSld>
     <p:spTree>
@@ -5381,7 +5501,7 @@
           <a:p>
             <a:fld id="{07E5A815-9F72-4DC7-9B05-971C4E78DD24}" type="slidenum">
               <a:rPr kumimoji="1" lang="ja-JP" altLang="en-US" smtClean="0"/>
-              <a:t>12</a:t>
+              <a:t>13</a:t>
             </a:fld>
             <a:endParaRPr kumimoji="1" lang="ja-JP" altLang="en-US"/>
           </a:p>
@@ -5536,7 +5656,7 @@
         <p:spPr>
           <a:xfrm>
             <a:off x="1432560" y="1950720"/>
-            <a:ext cx="4071949" cy="3046988"/>
+            <a:ext cx="4071949" cy="3785652"/>
           </a:xfrm>
           <a:prstGeom prst="rect">
             <a:avLst/>
@@ -5562,6 +5682,23 @@
             <a:r>
               <a:rPr lang="ja-JP" altLang="en-US" sz="3200" dirty="0" smtClean="0"/>
               <a:t>紹介</a:t>
+            </a:r>
+            <a:endParaRPr lang="en-US" altLang="ja-JP" sz="3200" dirty="0" smtClean="0"/>
+          </a:p>
+          <a:p>
+            <a:pPr marL="457200" indent="-457200">
+              <a:lnSpc>
+                <a:spcPct val="150000"/>
+              </a:lnSpc>
+              <a:buClr>
+                <a:schemeClr val="accent1"/>
+              </a:buClr>
+              <a:buFont typeface="Wingdings" panose="05000000000000000000" pitchFamily="2" charset="2"/>
+              <a:buChar char="l"/>
+            </a:pPr>
+            <a:r>
+              <a:rPr lang="ja-JP" altLang="en-US" sz="3200"/>
+              <a:t>アピールポイント</a:t>
             </a:r>
             <a:endParaRPr lang="en-US" altLang="ja-JP" sz="3200" dirty="0" smtClean="0"/>
           </a:p>
@@ -5863,19 +6000,7 @@
           <a:p>
             <a:r>
               <a:rPr lang="ja-JP" altLang="en-US" dirty="0"/>
-              <a:t>動作</a:t>
-            </a:r>
-            <a:r>
-              <a:rPr kumimoji="1" lang="en-US" altLang="ja-JP" dirty="0" smtClean="0"/>
-              <a:t>(</a:t>
-            </a:r>
-            <a:r>
-              <a:rPr kumimoji="1" lang="ja-JP" altLang="en-US" dirty="0" smtClean="0"/>
-              <a:t>ログイン</a:t>
-            </a:r>
-            <a:r>
-              <a:rPr kumimoji="1" lang="en-US" altLang="ja-JP" dirty="0" smtClean="0"/>
-              <a:t>)</a:t>
+              <a:t>アピールポイント</a:t>
             </a:r>
             <a:endParaRPr kumimoji="1" lang="ja-JP" altLang="en-US" dirty="0"/>
           </a:p>
@@ -5899,6 +6024,220 @@
             <a:fld id="{07E5A815-9F72-4DC7-9B05-971C4E78DD24}" type="slidenum">
               <a:rPr kumimoji="1" lang="ja-JP" altLang="en-US" smtClean="0"/>
               <a:t>4</a:t>
+            </a:fld>
+            <a:endParaRPr kumimoji="1" lang="ja-JP" altLang="en-US"/>
+          </a:p>
+        </p:txBody>
+      </p:sp>
+      <p:sp>
+        <p:nvSpPr>
+          <p:cNvPr id="5" name="テキスト ボックス 4"/>
+          <p:cNvSpPr txBox="1"/>
+          <p:nvPr/>
+        </p:nvSpPr>
+        <p:spPr>
+          <a:xfrm>
+            <a:off x="1432560" y="1950720"/>
+            <a:ext cx="8706230" cy="3785652"/>
+          </a:xfrm>
+          <a:prstGeom prst="rect">
+            <a:avLst/>
+          </a:prstGeom>
+          <a:noFill/>
+        </p:spPr>
+        <p:txBody>
+          <a:bodyPr wrap="none" rtlCol="0">
+            <a:spAutoFit/>
+          </a:bodyPr>
+          <a:lstStyle/>
+          <a:p>
+            <a:pPr marL="457200" indent="-457200">
+              <a:lnSpc>
+                <a:spcPct val="150000"/>
+              </a:lnSpc>
+              <a:buClr>
+                <a:schemeClr val="accent1"/>
+              </a:buClr>
+              <a:buFont typeface="Wingdings" panose="05000000000000000000" pitchFamily="2" charset="2"/>
+              <a:buChar char="l"/>
+            </a:pPr>
+            <a:r>
+              <a:rPr lang="ja-JP" altLang="en-US" sz="3200" dirty="0" smtClean="0"/>
+              <a:t>ソロ開発</a:t>
+            </a:r>
+            <a:endParaRPr lang="en-US" altLang="ja-JP" sz="3200" dirty="0" smtClean="0"/>
+          </a:p>
+          <a:p>
+            <a:pPr marL="457200" indent="-457200">
+              <a:lnSpc>
+                <a:spcPct val="150000"/>
+              </a:lnSpc>
+              <a:buClr>
+                <a:schemeClr val="accent1"/>
+              </a:buClr>
+              <a:buFont typeface="Wingdings" panose="05000000000000000000" pitchFamily="2" charset="2"/>
+              <a:buChar char="l"/>
+            </a:pPr>
+            <a:r>
+              <a:rPr kumimoji="1" lang="ja-JP" altLang="en-US" sz="3200" dirty="0" smtClean="0"/>
+              <a:t>タイムラインはユーザー</a:t>
+            </a:r>
+            <a:r>
+              <a:rPr lang="ja-JP" altLang="en-US" sz="3200" dirty="0"/>
+              <a:t>毎</a:t>
+            </a:r>
+            <a:r>
+              <a:rPr lang="ja-JP" altLang="en-US" sz="3200" dirty="0" smtClean="0"/>
+              <a:t>に色分けで見やすい</a:t>
+            </a:r>
+            <a:endParaRPr lang="en-US" altLang="ja-JP" sz="3200" dirty="0" smtClean="0"/>
+          </a:p>
+          <a:p>
+            <a:pPr marL="457200" indent="-457200">
+              <a:lnSpc>
+                <a:spcPct val="150000"/>
+              </a:lnSpc>
+              <a:buClr>
+                <a:schemeClr val="accent1"/>
+              </a:buClr>
+              <a:buFont typeface="Wingdings" panose="05000000000000000000" pitchFamily="2" charset="2"/>
+              <a:buChar char="l"/>
+            </a:pPr>
+            <a:r>
+              <a:rPr lang="en-US" altLang="ja-JP" sz="3200" dirty="0" smtClean="0"/>
+              <a:t>GitHub</a:t>
+            </a:r>
+            <a:r>
+              <a:rPr lang="ja-JP" altLang="en-US" sz="3200" dirty="0" smtClean="0"/>
+              <a:t>活用</a:t>
+            </a:r>
+            <a:endParaRPr lang="en-US" altLang="ja-JP" sz="3200" dirty="0" smtClean="0"/>
+          </a:p>
+          <a:p>
+            <a:pPr marL="457200" indent="-457200">
+              <a:lnSpc>
+                <a:spcPct val="150000"/>
+              </a:lnSpc>
+              <a:buClr>
+                <a:schemeClr val="accent1"/>
+              </a:buClr>
+              <a:buFont typeface="Wingdings" panose="05000000000000000000" pitchFamily="2" charset="2"/>
+              <a:buChar char="l"/>
+            </a:pPr>
+            <a:r>
+              <a:rPr lang="ja-JP" altLang="en-US" sz="3200" dirty="0" smtClean="0"/>
+              <a:t>初</a:t>
+            </a:r>
+            <a:r>
+              <a:rPr lang="en-US" altLang="ja-JP" sz="3200" dirty="0" smtClean="0"/>
+              <a:t>Python</a:t>
+            </a:r>
+          </a:p>
+          <a:p>
+            <a:pPr marL="457200" indent="-457200">
+              <a:lnSpc>
+                <a:spcPct val="150000"/>
+              </a:lnSpc>
+              <a:buClr>
+                <a:schemeClr val="accent1"/>
+              </a:buClr>
+              <a:buFont typeface="Wingdings" panose="05000000000000000000" pitchFamily="2" charset="2"/>
+              <a:buChar char="l"/>
+            </a:pPr>
+            <a:endParaRPr kumimoji="1" lang="ja-JP" altLang="en-US" sz="3200" dirty="0"/>
+          </a:p>
+        </p:txBody>
+      </p:sp>
+    </p:spTree>
+    <p:extLst>
+      <p:ext uri="{BB962C8B-B14F-4D97-AF65-F5344CB8AC3E}">
+        <p14:creationId xmlns:p14="http://schemas.microsoft.com/office/powerpoint/2010/main" val="1950593627"/>
+      </p:ext>
+    </p:extLst>
+  </p:cSld>
+  <p:clrMapOvr>
+    <a:masterClrMapping/>
+  </p:clrMapOvr>
+  <p:timing>
+    <p:tnLst>
+      <p:par>
+        <p:cTn id="1" dur="indefinite" restart="never" nodeType="tmRoot"/>
+      </p:par>
+    </p:tnLst>
+  </p:timing>
+</p:sld>
+</file>
+
+<file path=ppt/slides/slide5.xml><?xml version="1.0" encoding="utf-8"?>
+<p:sld xmlns:a="http://schemas.openxmlformats.org/drawingml/2006/main" xmlns:r="http://schemas.openxmlformats.org/officeDocument/2006/relationships" xmlns:p="http://schemas.openxmlformats.org/presentationml/2006/main">
+  <p:cSld>
+    <p:spTree>
+      <p:nvGrpSpPr>
+        <p:cNvPr id="1" name=""/>
+        <p:cNvGrpSpPr/>
+        <p:nvPr/>
+      </p:nvGrpSpPr>
+      <p:grpSpPr>
+        <a:xfrm>
+          <a:off x="0" y="0"/>
+          <a:ext cx="0" cy="0"/>
+          <a:chOff x="0" y="0"/>
+          <a:chExt cx="0" cy="0"/>
+        </a:xfrm>
+      </p:grpSpPr>
+      <p:sp>
+        <p:nvSpPr>
+          <p:cNvPr id="2" name="タイトル 1"/>
+          <p:cNvSpPr>
+            <a:spLocks noGrp="1"/>
+          </p:cNvSpPr>
+          <p:nvPr>
+            <p:ph type="title"/>
+          </p:nvPr>
+        </p:nvSpPr>
+        <p:spPr/>
+        <p:txBody>
+          <a:bodyPr/>
+          <a:lstStyle/>
+          <a:p>
+            <a:r>
+              <a:rPr lang="ja-JP" altLang="en-US" dirty="0"/>
+              <a:t>動作</a:t>
+            </a:r>
+            <a:r>
+              <a:rPr kumimoji="1" lang="en-US" altLang="ja-JP" dirty="0" smtClean="0"/>
+              <a:t>(</a:t>
+            </a:r>
+            <a:r>
+              <a:rPr kumimoji="1" lang="ja-JP" altLang="en-US" dirty="0" smtClean="0"/>
+              <a:t>ログイン</a:t>
+            </a:r>
+            <a:r>
+              <a:rPr kumimoji="1" lang="en-US" altLang="ja-JP" dirty="0" smtClean="0"/>
+              <a:t>)</a:t>
+            </a:r>
+            <a:endParaRPr kumimoji="1" lang="ja-JP" altLang="en-US" dirty="0"/>
+          </a:p>
+        </p:txBody>
+      </p:sp>
+      <p:sp>
+        <p:nvSpPr>
+          <p:cNvPr id="4" name="スライド番号プレースホルダー 3"/>
+          <p:cNvSpPr>
+            <a:spLocks noGrp="1"/>
+          </p:cNvSpPr>
+          <p:nvPr>
+            <p:ph type="sldNum" sz="quarter" idx="12"/>
+          </p:nvPr>
+        </p:nvSpPr>
+        <p:spPr/>
+        <p:txBody>
+          <a:bodyPr/>
+          <a:lstStyle/>
+          <a:p>
+            <a:fld id="{07E5A815-9F72-4DC7-9B05-971C4E78DD24}" type="slidenum">
+              <a:rPr kumimoji="1" lang="ja-JP" altLang="en-US" smtClean="0"/>
+              <a:t>5</a:t>
             </a:fld>
             <a:endParaRPr kumimoji="1" lang="ja-JP" altLang="en-US"/>
           </a:p>
@@ -5948,7 +6287,7 @@
 </p:sld>
 </file>
 
-<file path=ppt/slides/slide5.xml><?xml version="1.0" encoding="utf-8"?>
+<file path=ppt/slides/slide6.xml><?xml version="1.0" encoding="utf-8"?>
 <p:sld xmlns:a="http://schemas.openxmlformats.org/drawingml/2006/main" xmlns:r="http://schemas.openxmlformats.org/officeDocument/2006/relationships" xmlns:p="http://schemas.openxmlformats.org/presentationml/2006/main">
   <p:cSld>
     <p:spTree>
@@ -6017,7 +6356,7 @@
           <a:p>
             <a:fld id="{07E5A815-9F72-4DC7-9B05-971C4E78DD24}" type="slidenum">
               <a:rPr kumimoji="1" lang="ja-JP" altLang="en-US" smtClean="0"/>
-              <a:t>5</a:t>
+              <a:t>6</a:t>
             </a:fld>
             <a:endParaRPr kumimoji="1" lang="ja-JP" altLang="en-US"/>
           </a:p>
@@ -6067,7 +6406,7 @@
 </p:sld>
 </file>
 
-<file path=ppt/slides/slide6.xml><?xml version="1.0" encoding="utf-8"?>
+<file path=ppt/slides/slide7.xml><?xml version="1.0" encoding="utf-8"?>
 <p:sld xmlns:a="http://schemas.openxmlformats.org/drawingml/2006/main" xmlns:r="http://schemas.openxmlformats.org/officeDocument/2006/relationships" xmlns:p="http://schemas.openxmlformats.org/presentationml/2006/main">
   <p:cSld>
     <p:spTree>
@@ -6136,7 +6475,7 @@
           <a:p>
             <a:fld id="{07E5A815-9F72-4DC7-9B05-971C4E78DD24}" type="slidenum">
               <a:rPr kumimoji="1" lang="ja-JP" altLang="en-US" smtClean="0"/>
-              <a:t>6</a:t>
+              <a:t>7</a:t>
             </a:fld>
             <a:endParaRPr kumimoji="1" lang="ja-JP" altLang="en-US"/>
           </a:p>
@@ -6186,7 +6525,7 @@
 </p:sld>
 </file>
 
-<file path=ppt/slides/slide7.xml><?xml version="1.0" encoding="utf-8"?>
+<file path=ppt/slides/slide8.xml><?xml version="1.0" encoding="utf-8"?>
 <p:sld xmlns:a="http://schemas.openxmlformats.org/drawingml/2006/main" xmlns:r="http://schemas.openxmlformats.org/officeDocument/2006/relationships" xmlns:p="http://schemas.openxmlformats.org/presentationml/2006/main">
   <p:cSld>
     <p:spTree>
@@ -6247,7 +6586,7 @@
           <a:p>
             <a:fld id="{07E5A815-9F72-4DC7-9B05-971C4E78DD24}" type="slidenum">
               <a:rPr kumimoji="1" lang="ja-JP" altLang="en-US" smtClean="0"/>
-              <a:t>7</a:t>
+              <a:t>8</a:t>
             </a:fld>
             <a:endParaRPr kumimoji="1" lang="ja-JP" altLang="en-US"/>
           </a:p>
@@ -6297,7 +6636,7 @@
 </p:sld>
 </file>
 
-<file path=ppt/slides/slide8.xml><?xml version="1.0" encoding="utf-8"?>
+<file path=ppt/slides/slide9.xml><?xml version="1.0" encoding="utf-8"?>
 <p:sld xmlns:a="http://schemas.openxmlformats.org/drawingml/2006/main" xmlns:r="http://schemas.openxmlformats.org/officeDocument/2006/relationships" xmlns:p="http://schemas.openxmlformats.org/presentationml/2006/main">
   <p:cSld>
     <p:spTree>
@@ -6366,7 +6705,7 @@
           <a:p>
             <a:fld id="{07E5A815-9F72-4DC7-9B05-971C4E78DD24}" type="slidenum">
               <a:rPr kumimoji="1" lang="ja-JP" altLang="en-US" smtClean="0"/>
-              <a:t>8</a:t>
+              <a:t>9</a:t>
             </a:fld>
             <a:endParaRPr kumimoji="1" lang="ja-JP" altLang="en-US"/>
           </a:p>
@@ -6400,125 +6739,6 @@
     <p:extLst>
       <p:ext uri="{BB962C8B-B14F-4D97-AF65-F5344CB8AC3E}">
         <p14:creationId xmlns:p14="http://schemas.microsoft.com/office/powerpoint/2010/main" val="2641390190"/>
-      </p:ext>
-    </p:extLst>
-  </p:cSld>
-  <p:clrMapOvr>
-    <a:masterClrMapping/>
-  </p:clrMapOvr>
-  <p:timing>
-    <p:tnLst>
-      <p:par>
-        <p:cTn id="1" dur="indefinite" restart="never" nodeType="tmRoot"/>
-      </p:par>
-    </p:tnLst>
-  </p:timing>
-</p:sld>
-</file>
-
-<file path=ppt/slides/slide9.xml><?xml version="1.0" encoding="utf-8"?>
-<p:sld xmlns:a="http://schemas.openxmlformats.org/drawingml/2006/main" xmlns:r="http://schemas.openxmlformats.org/officeDocument/2006/relationships" xmlns:p="http://schemas.openxmlformats.org/presentationml/2006/main">
-  <p:cSld>
-    <p:spTree>
-      <p:nvGrpSpPr>
-        <p:cNvPr id="1" name=""/>
-        <p:cNvGrpSpPr/>
-        <p:nvPr/>
-      </p:nvGrpSpPr>
-      <p:grpSpPr>
-        <a:xfrm>
-          <a:off x="0" y="0"/>
-          <a:ext cx="0" cy="0"/>
-          <a:chOff x="0" y="0"/>
-          <a:chExt cx="0" cy="0"/>
-        </a:xfrm>
-      </p:grpSpPr>
-      <p:sp>
-        <p:nvSpPr>
-          <p:cNvPr id="2" name="タイトル 1"/>
-          <p:cNvSpPr>
-            <a:spLocks noGrp="1"/>
-          </p:cNvSpPr>
-          <p:nvPr>
-            <p:ph type="title"/>
-          </p:nvPr>
-        </p:nvSpPr>
-        <p:spPr/>
-        <p:txBody>
-          <a:bodyPr/>
-          <a:lstStyle/>
-          <a:p>
-            <a:r>
-              <a:rPr lang="ja-JP" altLang="en-US" dirty="0"/>
-              <a:t>動作</a:t>
-            </a:r>
-            <a:r>
-              <a:rPr kumimoji="1" lang="en-US" altLang="ja-JP" dirty="0" smtClean="0"/>
-              <a:t>(</a:t>
-            </a:r>
-            <a:r>
-              <a:rPr kumimoji="1" lang="ja-JP" altLang="en-US" dirty="0" smtClean="0"/>
-              <a:t>リスト</a:t>
-            </a:r>
-            <a:r>
-              <a:rPr kumimoji="1" lang="en-US" altLang="ja-JP" dirty="0" smtClean="0"/>
-              <a:t>)</a:t>
-            </a:r>
-            <a:endParaRPr kumimoji="1" lang="ja-JP" altLang="en-US" dirty="0"/>
-          </a:p>
-        </p:txBody>
-      </p:sp>
-      <p:sp>
-        <p:nvSpPr>
-          <p:cNvPr id="4" name="スライド番号プレースホルダー 3"/>
-          <p:cNvSpPr>
-            <a:spLocks noGrp="1"/>
-          </p:cNvSpPr>
-          <p:nvPr>
-            <p:ph type="sldNum" sz="quarter" idx="12"/>
-          </p:nvPr>
-        </p:nvSpPr>
-        <p:spPr/>
-        <p:txBody>
-          <a:bodyPr/>
-          <a:lstStyle/>
-          <a:p>
-            <a:fld id="{07E5A815-9F72-4DC7-9B05-971C4E78DD24}" type="slidenum">
-              <a:rPr kumimoji="1" lang="ja-JP" altLang="en-US" smtClean="0"/>
-              <a:t>9</a:t>
-            </a:fld>
-            <a:endParaRPr kumimoji="1" lang="ja-JP" altLang="en-US"/>
-          </a:p>
-        </p:txBody>
-      </p:sp>
-      <p:pic>
-        <p:nvPicPr>
-          <p:cNvPr id="6" name="図 5"/>
-          <p:cNvPicPr>
-            <a:picLocks noChangeAspect="1"/>
-          </p:cNvPicPr>
-          <p:nvPr/>
-        </p:nvPicPr>
-        <p:blipFill>
-          <a:blip r:embed="rId2"/>
-          <a:stretch>
-            <a:fillRect/>
-          </a:stretch>
-        </p:blipFill>
-        <p:spPr>
-          <a:xfrm>
-            <a:off x="376529" y="2766034"/>
-            <a:ext cx="11499901" cy="662966"/>
-          </a:xfrm>
-          <a:prstGeom prst="rect">
-            <a:avLst/>
-          </a:prstGeom>
-        </p:spPr>
-      </p:pic>
-    </p:spTree>
-    <p:extLst>
-      <p:ext uri="{BB962C8B-B14F-4D97-AF65-F5344CB8AC3E}">
-        <p14:creationId xmlns:p14="http://schemas.microsoft.com/office/powerpoint/2010/main" val="2367613138"/>
       </p:ext>
     </p:extLst>
   </p:cSld>

--- a/reverb.pptx
+++ b/reverb.pptx
@@ -4694,15 +4694,15 @@
               <a:t>Twitter</a:t>
             </a:r>
             <a:r>
-              <a:rPr kumimoji="1" lang="ja-JP" altLang="en-US" sz="4000" dirty="0" smtClean="0"/>
-              <a:t>クライアント</a:t>
-            </a:r>
-            <a:r>
-              <a:rPr kumimoji="1" lang="en-US" altLang="ja-JP" dirty="0" smtClean="0"/>
+              <a:rPr kumimoji="1" lang="ja-JP" altLang="en-US" sz="4000" smtClean="0"/>
+              <a:t>操作プログラム</a:t>
+            </a:r>
+            <a:r>
+              <a:rPr kumimoji="1" lang="en-US" altLang="ja-JP" sz="4000" smtClean="0"/>
               <a:t/>
             </a:r>
             <a:br>
-              <a:rPr kumimoji="1" lang="en-US" altLang="ja-JP" dirty="0" smtClean="0"/>
+              <a:rPr kumimoji="1" lang="en-US" altLang="ja-JP" sz="4000" smtClean="0"/>
             </a:br>
             <a:r>
               <a:rPr lang="ja-JP" altLang="en-US" dirty="0" smtClean="0"/>
